--- a/13-hash/lec.pptx
+++ b/13-hash/lec.pptx
@@ -5279,15 +5279,7 @@
           <a:p>
             <a:r>
               <a:rPr lang="en-US" dirty="0"/>
-              <a:t>Today’s music:  </a:t>
-            </a:r>
-            <a:r>
-              <a:rPr lang="en-US" i="1" dirty="0"/>
-              <a:t>Re-hash</a:t>
-            </a:r>
-            <a:r>
-              <a:rPr lang="en-US" dirty="0"/>
-              <a:t> by </a:t>
+              <a:t>Today’s music:  Re-hash by </a:t>
             </a:r>
             <a:r>
               <a:rPr lang="en-US" dirty="0" err="1"/>
@@ -11876,7 +11868,7 @@
           <a:p>
             <a:r>
               <a:rPr lang="en-US" dirty="0"/>
-              <a:t>Resizing the array</a:t>
+              <a:t>Hash table rep type, v2</a:t>
             </a:r>
           </a:p>
         </p:txBody>
@@ -11903,7 +11895,7 @@
             </a:pPr>
             <a:r>
               <a:rPr lang="en-US" dirty="0"/>
-              <a:t>Requires a new representation type:</a:t>
+              <a:t>Resizing requires a new representation type:</a:t>
             </a:r>
           </a:p>
           <a:p>
@@ -11955,7 +11947,24 @@
                 <a:latin typeface="Courier New"/>
                 <a:cs typeface="Courier New"/>
               </a:rPr>
-              <a:t>    mutable buckets </a:t>
+              <a:t>    </a:t>
+            </a:r>
+            <a:r>
+              <a:rPr lang="en-US" b="1" dirty="0">
+                <a:solidFill>
+                  <a:schemeClr val="accent6"/>
+                </a:solidFill>
+                <a:latin typeface="Courier New"/>
+                <a:cs typeface="Courier New"/>
+              </a:rPr>
+              <a:t>mutable</a:t>
+            </a:r>
+            <a:r>
+              <a:rPr lang="en-US" b="1" dirty="0">
+                <a:latin typeface="Courier New"/>
+                <a:cs typeface="Courier New"/>
+              </a:rPr>
+              <a:t> buckets </a:t>
             </a:r>
           </a:p>
           <a:p>
